--- a/docs/index.pptx
+++ b/docs/index.pptx
@@ -5000,7 +5000,7 @@
               <a:rPr>
                 <a:latin typeface="Courier"/>
               </a:rPr>
-              <a:t>scripts/nix_expressions/02_native_vscode_example/</a:t>
+              <a:t>scripts/nix_expressions/02_native_positron_example/</a:t>
             </a:r>
           </a:p>
         </p:txBody>
@@ -5089,7 +5089,7 @@
               <a:rPr>
                 <a:latin typeface="Courier"/>
               </a:rPr>
-              <a:t>scripts/nix_expressions/02_native_vscode_example/</a:t>
+              <a:t>scripts/nix_expressions/02_native_positron_example/</a:t>
             </a:r>
           </a:p>
           <a:p>
